--- a/pt/ProgrammingLessons/IfThenBlocks.pptx
+++ b/pt/ProgrammingLessons/IfThenBlocks.pptx
@@ -135,6 +135,190 @@
 </p:presentation>
 </file>
 
+<file path=ppt/revisionInfo.xml><?xml version="1.0" encoding="utf-8"?>
+<p1510:revInfo xmlns:a="http://schemas.openxmlformats.org/drawingml/2006/main" xmlns:r="http://schemas.openxmlformats.org/officeDocument/2006/relationships" xmlns:p1510="http://schemas.microsoft.com/office/powerpoint/2015/10/main">
+  <p1510:revLst>
+    <p1510:client id="{0F169C93-14FB-4DB7-BBBC-983E98F9D788}" v="5" dt="2020-07-13T04:51:20.082"/>
+  </p1510:revLst>
+</p1510:revInfo>
+</file>
+
+<file path=ppt/changesInfos/changesInfo1.xml><?xml version="1.0" encoding="utf-8"?>
+<pc:chgInfo xmlns:a="http://schemas.openxmlformats.org/drawingml/2006/main" xmlns:r="http://schemas.openxmlformats.org/officeDocument/2006/relationships" xmlns:ac="http://schemas.microsoft.com/office/drawing/2013/main/command" xmlns:pc="http://schemas.microsoft.com/office/powerpoint/2013/main/command">
+  <pc:docChgLst>
+    <pc:chgData name="Anderson Harayashiki Moreira" userId="07ffc975ff648281" providerId="LiveId" clId="{0F169C93-14FB-4DB7-BBBC-983E98F9D788}"/>
+    <pc:docChg chg="custSel modSld">
+      <pc:chgData name="Anderson Harayashiki Moreira" userId="07ffc975ff648281" providerId="LiveId" clId="{0F169C93-14FB-4DB7-BBBC-983E98F9D788}" dt="2020-07-13T04:51:20.082" v="63"/>
+      <pc:docMkLst>
+        <pc:docMk/>
+      </pc:docMkLst>
+      <pc:sldChg chg="addSp delSp">
+        <pc:chgData name="Anderson Harayashiki Moreira" userId="07ffc975ff648281" providerId="LiveId" clId="{0F169C93-14FB-4DB7-BBBC-983E98F9D788}" dt="2020-07-13T04:51:20.082" v="63"/>
+        <pc:sldMkLst>
+          <pc:docMk/>
+          <pc:sldMk cId="675085363" sldId="257"/>
+        </pc:sldMkLst>
+        <pc:spChg chg="del">
+          <ac:chgData name="Anderson Harayashiki Moreira" userId="07ffc975ff648281" providerId="LiveId" clId="{0F169C93-14FB-4DB7-BBBC-983E98F9D788}" dt="2020-07-13T04:51:19.432" v="62" actId="478"/>
+          <ac:spMkLst>
+            <pc:docMk/>
+            <pc:sldMk cId="675085363" sldId="257"/>
+            <ac:spMk id="4" creationId="{00000000-0000-0000-0000-000000000000}"/>
+          </ac:spMkLst>
+        </pc:spChg>
+        <pc:spChg chg="add">
+          <ac:chgData name="Anderson Harayashiki Moreira" userId="07ffc975ff648281" providerId="LiveId" clId="{0F169C93-14FB-4DB7-BBBC-983E98F9D788}" dt="2020-07-13T04:51:20.082" v="63"/>
+          <ac:spMkLst>
+            <pc:docMk/>
+            <pc:sldMk cId="675085363" sldId="257"/>
+            <ac:spMk id="8" creationId="{B860E36B-2F4E-4E48-87AC-A16C1CB347F5}"/>
+          </ac:spMkLst>
+        </pc:spChg>
+      </pc:sldChg>
+      <pc:sldChg chg="addSp delSp modSp">
+        <pc:chgData name="Anderson Harayashiki Moreira" userId="07ffc975ff648281" providerId="LiveId" clId="{0F169C93-14FB-4DB7-BBBC-983E98F9D788}" dt="2020-07-13T04:51:15.756" v="61"/>
+        <pc:sldMkLst>
+          <pc:docMk/>
+          <pc:sldMk cId="2663883085" sldId="276"/>
+        </pc:sldMkLst>
+        <pc:spChg chg="mod">
+          <ac:chgData name="Anderson Harayashiki Moreira" userId="07ffc975ff648281" providerId="LiveId" clId="{0F169C93-14FB-4DB7-BBBC-983E98F9D788}" dt="2020-07-13T04:49:08.881" v="1" actId="123"/>
+          <ac:spMkLst>
+            <pc:docMk/>
+            <pc:sldMk cId="2663883085" sldId="276"/>
+            <ac:spMk id="3" creationId="{1545B322-4A52-46AA-8325-CC94EF0D1E6E}"/>
+          </ac:spMkLst>
+        </pc:spChg>
+        <pc:spChg chg="del">
+          <ac:chgData name="Anderson Harayashiki Moreira" userId="07ffc975ff648281" providerId="LiveId" clId="{0F169C93-14FB-4DB7-BBBC-983E98F9D788}" dt="2020-07-13T04:51:15.272" v="60" actId="478"/>
+          <ac:spMkLst>
+            <pc:docMk/>
+            <pc:sldMk cId="2663883085" sldId="276"/>
+            <ac:spMk id="4" creationId="{1143C30F-5C3B-4D40-B83F-EDE97F88B011}"/>
+          </ac:spMkLst>
+        </pc:spChg>
+        <pc:spChg chg="add">
+          <ac:chgData name="Anderson Harayashiki Moreira" userId="07ffc975ff648281" providerId="LiveId" clId="{0F169C93-14FB-4DB7-BBBC-983E98F9D788}" dt="2020-07-13T04:51:15.756" v="61"/>
+          <ac:spMkLst>
+            <pc:docMk/>
+            <pc:sldMk cId="2663883085" sldId="276"/>
+            <ac:spMk id="7" creationId="{6C760FD6-65C1-4CD3-8932-60578DF4FAE7}"/>
+          </ac:spMkLst>
+        </pc:spChg>
+      </pc:sldChg>
+      <pc:sldChg chg="addSp delSp">
+        <pc:chgData name="Anderson Harayashiki Moreira" userId="07ffc975ff648281" providerId="LiveId" clId="{0F169C93-14FB-4DB7-BBBC-983E98F9D788}" dt="2020-07-13T04:51:10.901" v="57"/>
+        <pc:sldMkLst>
+          <pc:docMk/>
+          <pc:sldMk cId="10687373" sldId="279"/>
+        </pc:sldMkLst>
+        <pc:spChg chg="del">
+          <ac:chgData name="Anderson Harayashiki Moreira" userId="07ffc975ff648281" providerId="LiveId" clId="{0F169C93-14FB-4DB7-BBBC-983E98F9D788}" dt="2020-07-13T04:51:10.422" v="56" actId="478"/>
+          <ac:spMkLst>
+            <pc:docMk/>
+            <pc:sldMk cId="10687373" sldId="279"/>
+            <ac:spMk id="4" creationId="{7693F7AD-2CE3-4EFD-BC79-FE15A5A219E9}"/>
+          </ac:spMkLst>
+        </pc:spChg>
+        <pc:spChg chg="add">
+          <ac:chgData name="Anderson Harayashiki Moreira" userId="07ffc975ff648281" providerId="LiveId" clId="{0F169C93-14FB-4DB7-BBBC-983E98F9D788}" dt="2020-07-13T04:51:10.901" v="57"/>
+          <ac:spMkLst>
+            <pc:docMk/>
+            <pc:sldMk cId="10687373" sldId="279"/>
+            <ac:spMk id="9" creationId="{A1DA7A42-9F70-4943-AF87-D8E330756506}"/>
+          </ac:spMkLst>
+        </pc:spChg>
+      </pc:sldChg>
+      <pc:sldChg chg="addSp delSp modSp">
+        <pc:chgData name="Anderson Harayashiki Moreira" userId="07ffc975ff648281" providerId="LiveId" clId="{0F169C93-14FB-4DB7-BBBC-983E98F9D788}" dt="2020-07-13T04:51:13.262" v="59"/>
+        <pc:sldMkLst>
+          <pc:docMk/>
+          <pc:sldMk cId="3668067978" sldId="280"/>
+        </pc:sldMkLst>
+        <pc:spChg chg="mod">
+          <ac:chgData name="Anderson Harayashiki Moreira" userId="07ffc975ff648281" providerId="LiveId" clId="{0F169C93-14FB-4DB7-BBBC-983E98F9D788}" dt="2020-07-13T04:50:12.331" v="4" actId="20577"/>
+          <ac:spMkLst>
+            <pc:docMk/>
+            <pc:sldMk cId="3668067978" sldId="280"/>
+            <ac:spMk id="3" creationId="{576F7CD3-BACF-4041-8035-C348127F59BA}"/>
+          </ac:spMkLst>
+        </pc:spChg>
+        <pc:spChg chg="del">
+          <ac:chgData name="Anderson Harayashiki Moreira" userId="07ffc975ff648281" providerId="LiveId" clId="{0F169C93-14FB-4DB7-BBBC-983E98F9D788}" dt="2020-07-13T04:51:12.760" v="58" actId="478"/>
+          <ac:spMkLst>
+            <pc:docMk/>
+            <pc:sldMk cId="3668067978" sldId="280"/>
+            <ac:spMk id="4" creationId="{9BA5034C-2474-45E9-A9ED-1874AF315983}"/>
+          </ac:spMkLst>
+        </pc:spChg>
+        <pc:spChg chg="add">
+          <ac:chgData name="Anderson Harayashiki Moreira" userId="07ffc975ff648281" providerId="LiveId" clId="{0F169C93-14FB-4DB7-BBBC-983E98F9D788}" dt="2020-07-13T04:51:13.262" v="59"/>
+          <ac:spMkLst>
+            <pc:docMk/>
+            <pc:sldMk cId="3668067978" sldId="280"/>
+            <ac:spMk id="7" creationId="{C2DD6A28-BE4F-4ED9-91F4-EF845F4317B0}"/>
+          </ac:spMkLst>
+        </pc:spChg>
+      </pc:sldChg>
+      <pc:sldChg chg="addSp delSp modSp">
+        <pc:chgData name="Anderson Harayashiki Moreira" userId="07ffc975ff648281" providerId="LiveId" clId="{0F169C93-14FB-4DB7-BBBC-983E98F9D788}" dt="2020-07-13T04:51:08.574" v="55"/>
+        <pc:sldMkLst>
+          <pc:docMk/>
+          <pc:sldMk cId="4094631403" sldId="281"/>
+        </pc:sldMkLst>
+        <pc:spChg chg="mod">
+          <ac:chgData name="Anderson Harayashiki Moreira" userId="07ffc975ff648281" providerId="LiveId" clId="{0F169C93-14FB-4DB7-BBBC-983E98F9D788}" dt="2020-07-13T04:50:38.230" v="5" actId="123"/>
+          <ac:spMkLst>
+            <pc:docMk/>
+            <pc:sldMk cId="4094631403" sldId="281"/>
+            <ac:spMk id="3" creationId="{DC57D62A-127E-4FD8-93A4-69DBD33C9C4A}"/>
+          </ac:spMkLst>
+        </pc:spChg>
+        <pc:spChg chg="del">
+          <ac:chgData name="Anderson Harayashiki Moreira" userId="07ffc975ff648281" providerId="LiveId" clId="{0F169C93-14FB-4DB7-BBBC-983E98F9D788}" dt="2020-07-13T04:51:07.957" v="54" actId="478"/>
+          <ac:spMkLst>
+            <pc:docMk/>
+            <pc:sldMk cId="4094631403" sldId="281"/>
+            <ac:spMk id="4" creationId="{7E9D60D8-A30C-4912-8AB2-733B7B5864BF}"/>
+          </ac:spMkLst>
+        </pc:spChg>
+        <pc:spChg chg="add">
+          <ac:chgData name="Anderson Harayashiki Moreira" userId="07ffc975ff648281" providerId="LiveId" clId="{0F169C93-14FB-4DB7-BBBC-983E98F9D788}" dt="2020-07-13T04:51:08.574" v="55"/>
+          <ac:spMkLst>
+            <pc:docMk/>
+            <pc:sldMk cId="4094631403" sldId="281"/>
+            <ac:spMk id="7" creationId="{C3EFE834-F038-4B8E-A7B5-D0E860A29252}"/>
+          </ac:spMkLst>
+        </pc:spChg>
+      </pc:sldChg>
+      <pc:sldChg chg="modSp">
+        <pc:chgData name="Anderson Harayashiki Moreira" userId="07ffc975ff648281" providerId="LiveId" clId="{0F169C93-14FB-4DB7-BBBC-983E98F9D788}" dt="2020-07-13T04:51:02.952" v="53" actId="20577"/>
+        <pc:sldMkLst>
+          <pc:docMk/>
+          <pc:sldMk cId="3392129947" sldId="288"/>
+        </pc:sldMkLst>
+        <pc:spChg chg="mod">
+          <ac:chgData name="Anderson Harayashiki Moreira" userId="07ffc975ff648281" providerId="LiveId" clId="{0F169C93-14FB-4DB7-BBBC-983E98F9D788}" dt="2020-07-13T04:50:52.432" v="49" actId="20577"/>
+          <ac:spMkLst>
+            <pc:docMk/>
+            <pc:sldMk cId="3392129947" sldId="288"/>
+            <ac:spMk id="3" creationId="{00000000-0000-0000-0000-000000000000}"/>
+          </ac:spMkLst>
+        </pc:spChg>
+        <pc:spChg chg="mod">
+          <ac:chgData name="Anderson Harayashiki Moreira" userId="07ffc975ff648281" providerId="LiveId" clId="{0F169C93-14FB-4DB7-BBBC-983E98F9D788}" dt="2020-07-13T04:51:02.952" v="53" actId="20577"/>
+          <ac:spMkLst>
+            <pc:docMk/>
+            <pc:sldMk cId="3392129947" sldId="288"/>
+            <ac:spMk id="4" creationId="{00000000-0000-0000-0000-000000000000}"/>
+          </ac:spMkLst>
+        </pc:spChg>
+      </pc:sldChg>
+    </pc:docChg>
+  </pc:docChgLst>
+</pc:chgInfo>
+</file>
+
 <file path=ppt/handoutMasters/handoutMaster1.xml><?xml version="1.0" encoding="utf-8"?>
 <p:handoutMaster xmlns:a="http://schemas.openxmlformats.org/drawingml/2006/main" xmlns:r="http://schemas.openxmlformats.org/officeDocument/2006/relationships" xmlns:p="http://schemas.openxmlformats.org/presentationml/2006/main">
   <p:cSld>
@@ -217,7 +401,7 @@
           <a:p>
             <a:fld id="{58040048-1E4D-CD41-AC49-0750EB72586B}" type="datetimeFigureOut">
               <a:rPr lang="en-US" smtClean="0"/>
-              <a:t>6/10/2020</a:t>
+              <a:t>7/13/2020</a:t>
             </a:fld>
             <a:endParaRPr lang="en-US"/>
           </a:p>
@@ -383,7 +567,7 @@
           <a:p>
             <a:fld id="{2B8484CF-5098-F24E-8881-583515D5C406}" type="datetimeFigureOut">
               <a:rPr lang="en-US" smtClean="0"/>
-              <a:t>6/10/2020</a:t>
+              <a:t>7/13/2020</a:t>
             </a:fld>
             <a:endParaRPr lang="en-US"/>
           </a:p>
@@ -5608,28 +5792,6 @@
       </p:sp>
       <p:sp>
         <p:nvSpPr>
-          <p:cNvPr id="4" name="Footer Placeholder 3"/>
-          <p:cNvSpPr>
-            <a:spLocks noGrp="1"/>
-          </p:cNvSpPr>
-          <p:nvPr>
-            <p:ph type="ftr" sz="quarter" idx="11"/>
-          </p:nvPr>
-        </p:nvSpPr>
-        <p:spPr/>
-        <p:txBody>
-          <a:bodyPr/>
-          <a:lstStyle/>
-          <a:p>
-            <a:r>
-              <a:rPr lang="en-US" dirty="0"/>
-              <a:t>Copyright © 2020 SPIKE Prime Lessons (primelessons.org) CC-BY-NC-SA.  (Last edit: 1/9/2020)</a:t>
-            </a:r>
-          </a:p>
-        </p:txBody>
-      </p:sp>
-      <p:sp>
-        <p:nvSpPr>
           <p:cNvPr id="7" name="Slide Number Placeholder 6">
             <a:extLst>
               <a:ext uri="{FF2B5EF4-FFF2-40B4-BE49-F238E27FC236}">
@@ -5687,6 +5849,39 @@
           </a:prstGeom>
         </p:spPr>
       </p:pic>
+      <p:sp>
+        <p:nvSpPr>
+          <p:cNvPr id="8" name="Footer Placeholder 3">
+            <a:extLst>
+              <a:ext uri="{FF2B5EF4-FFF2-40B4-BE49-F238E27FC236}">
+                <a16:creationId xmlns:a16="http://schemas.microsoft.com/office/drawing/2014/main" id="{B860E36B-2F4E-4E48-87AC-A16C1CB347F5}"/>
+              </a:ext>
+            </a:extLst>
+          </p:cNvPr>
+          <p:cNvSpPr>
+            <a:spLocks noGrp="1"/>
+          </p:cNvSpPr>
+          <p:nvPr>
+            <p:ph type="ftr" sz="quarter" idx="11"/>
+          </p:nvPr>
+        </p:nvSpPr>
+        <p:spPr>
+          <a:xfrm>
+            <a:off x="88409" y="6321349"/>
+            <a:ext cx="4870585" cy="365125"/>
+          </a:xfrm>
+        </p:spPr>
+        <p:txBody>
+          <a:bodyPr/>
+          <a:lstStyle/>
+          <a:p>
+            <a:r>
+              <a:rPr lang="en-US" dirty="0"/>
+              <a:t>Copyright © 2020 SPIKE Prime Lessons (primelessons.org) CC-BY-NC-SA.  (Last edit: 07/13/2020)</a:t>
+            </a:r>
+          </a:p>
+        </p:txBody>
+      </p:sp>
     </p:spTree>
     <p:extLst>
       <p:ext uri="{BB962C8B-B14F-4D97-AF65-F5344CB8AC3E}">
@@ -5778,63 +5973,38 @@
           </a:bodyPr>
           <a:lstStyle/>
           <a:p>
+            <a:pPr algn="just"/>
             <a:r>
               <a:rPr lang="pt-BR" dirty="0"/>
               <a:t>Faça uma pergunta ao robô e faça algo diferente baseado na resposta</a:t>
             </a:r>
           </a:p>
           <a:p>
+            <a:pPr algn="just"/>
             <a:r>
               <a:rPr lang="pt-BR" dirty="0"/>
               <a:t>Exemplo</a:t>
             </a:r>
           </a:p>
           <a:p>
-            <a:pPr lvl="1"/>
+            <a:pPr lvl="1" algn="just"/>
             <a:r>
               <a:rPr lang="pt-BR" dirty="0"/>
               <a:t>O robô vê uma linha? Ou não?</a:t>
             </a:r>
           </a:p>
           <a:p>
-            <a:pPr lvl="1"/>
+            <a:pPr lvl="1" algn="just"/>
             <a:r>
               <a:rPr lang="pt-BR" dirty="0"/>
-              <a:t>O robô esta perto de uma parede? Ou não?</a:t>
-            </a:r>
-          </a:p>
-          <a:p>
+              <a:t>O robô está perto de uma parede? Ou não?</a:t>
+            </a:r>
+          </a:p>
+          <a:p>
+            <a:pPr algn="just"/>
             <a:r>
               <a:rPr lang="pt-BR" dirty="0"/>
               <a:t>São perguntas do tipo Sim ou Não.  </a:t>
-            </a:r>
-          </a:p>
-        </p:txBody>
-      </p:sp>
-      <p:sp>
-        <p:nvSpPr>
-          <p:cNvPr id="4" name="Footer Placeholder 3">
-            <a:extLst>
-              <a:ext uri="{FF2B5EF4-FFF2-40B4-BE49-F238E27FC236}">
-                <a16:creationId xmlns:a16="http://schemas.microsoft.com/office/drawing/2014/main" id="{1143C30F-5C3B-4D40-B83F-EDE97F88B011}"/>
-              </a:ext>
-            </a:extLst>
-          </p:cNvPr>
-          <p:cNvSpPr>
-            <a:spLocks noGrp="1"/>
-          </p:cNvSpPr>
-          <p:nvPr>
-            <p:ph type="ftr" sz="quarter" idx="11"/>
-          </p:nvPr>
-        </p:nvSpPr>
-        <p:spPr/>
-        <p:txBody>
-          <a:bodyPr/>
-          <a:lstStyle/>
-          <a:p>
-            <a:r>
-              <a:rPr lang="en-US" dirty="0"/>
-              <a:t>Copyright © 2020 SPIKE Prime Lessons (primelessons.org) CC-BY-NC-SA.  (Last edit: 1/9/2020)</a:t>
             </a:r>
           </a:p>
         </p:txBody>
@@ -5898,6 +6068,39 @@
           </a:prstGeom>
         </p:spPr>
       </p:pic>
+      <p:sp>
+        <p:nvSpPr>
+          <p:cNvPr id="7" name="Footer Placeholder 3">
+            <a:extLst>
+              <a:ext uri="{FF2B5EF4-FFF2-40B4-BE49-F238E27FC236}">
+                <a16:creationId xmlns:a16="http://schemas.microsoft.com/office/drawing/2014/main" id="{6C760FD6-65C1-4CD3-8932-60578DF4FAE7}"/>
+              </a:ext>
+            </a:extLst>
+          </p:cNvPr>
+          <p:cNvSpPr>
+            <a:spLocks noGrp="1"/>
+          </p:cNvSpPr>
+          <p:nvPr>
+            <p:ph type="ftr" sz="quarter" idx="11"/>
+          </p:nvPr>
+        </p:nvSpPr>
+        <p:spPr>
+          <a:xfrm>
+            <a:off x="88409" y="6321349"/>
+            <a:ext cx="4870585" cy="365125"/>
+          </a:xfrm>
+        </p:spPr>
+        <p:txBody>
+          <a:bodyPr/>
+          <a:lstStyle/>
+          <a:p>
+            <a:r>
+              <a:rPr lang="en-US" dirty="0"/>
+              <a:t>Copyright © 2020 SPIKE Prime Lessons (primelessons.org) CC-BY-NC-SA.  (Last edit: 07/13/2020)</a:t>
+            </a:r>
+          </a:p>
+        </p:txBody>
+      </p:sp>
     </p:spTree>
     <p:extLst>
       <p:ext uri="{BB962C8B-B14F-4D97-AF65-F5344CB8AC3E}">
@@ -5986,77 +6189,56 @@
           </a:bodyPr>
           <a:lstStyle/>
           <a:p>
+            <a:pPr algn="just"/>
             <a:r>
               <a:rPr lang="pt-BR" dirty="0"/>
               <a:t>Escreva um programa que muda o display caso o sensor de força esteja pressionado ou não.</a:t>
             </a:r>
           </a:p>
           <a:p>
+            <a:pPr algn="just"/>
             <a:r>
               <a:rPr lang="pt-BR" dirty="0"/>
-              <a:t>Se estiver pressionado o seu SPIKE Prime estão feliz. Mostre uma cara feliz na matriz LED.</a:t>
-            </a:r>
-          </a:p>
-          <a:p>
+              <a:t>Se estiver pressionado o seu SPIKE Prime está feliz. Mostre uma cara feliz na matriz LED.</a:t>
+            </a:r>
+          </a:p>
+          <a:p>
+            <a:pPr algn="just"/>
             <a:r>
               <a:rPr lang="pt-BR" dirty="0"/>
               <a:t>Se não estiver pressionado, o seu SPIKE Prime está triste. Mostre uma cara triste.</a:t>
             </a:r>
           </a:p>
           <a:p>
+            <a:pPr algn="just"/>
             <a:r>
               <a:rPr lang="pt-BR" dirty="0"/>
               <a:t>Você irá usar o Bloco de Luz, Bloco Repete e o bloco Se-Então.</a:t>
             </a:r>
           </a:p>
           <a:p>
+            <a:pPr algn="just"/>
             <a:r>
               <a:rPr lang="pt-BR" dirty="0"/>
               <a:t>Você deverá customizar o bloco de Luz para criar uma carinha triste.</a:t>
             </a:r>
           </a:p>
           <a:p>
+            <a:pPr algn="just"/>
             <a:r>
               <a:rPr lang="pt-BR" dirty="0"/>
-              <a:t>Extensão: Combine o que você sabe e veja se consegue adicionar um som de risada quando pressionado e de choro quando solto, Talvez você precise criar sons personalizados.</a:t>
-            </a:r>
-          </a:p>
-          <a:p>
-            <a:pPr marL="0" indent="0">
+              <a:t>Extensão: Combine o que você sabe e veja se consegue adicionar um som de risada quando pressionado e de choro quando solto. Talvez você precise criar sons personalizados.</a:t>
+            </a:r>
+          </a:p>
+          <a:p>
+            <a:pPr marL="0" indent="0" algn="just">
               <a:buNone/>
             </a:pPr>
             <a:endParaRPr lang="en-US" dirty="0"/>
           </a:p>
           <a:p>
+            <a:pPr algn="just"/>
             <a:endParaRPr lang="en-US" dirty="0"/>
-          </a:p>
-        </p:txBody>
-      </p:sp>
-      <p:sp>
-        <p:nvSpPr>
-          <p:cNvPr id="4" name="Footer Placeholder 3">
-            <a:extLst>
-              <a:ext uri="{FF2B5EF4-FFF2-40B4-BE49-F238E27FC236}">
-                <a16:creationId xmlns:a16="http://schemas.microsoft.com/office/drawing/2014/main" id="{9BA5034C-2474-45E9-A9ED-1874AF315983}"/>
-              </a:ext>
-            </a:extLst>
-          </p:cNvPr>
-          <p:cNvSpPr>
-            <a:spLocks noGrp="1"/>
-          </p:cNvSpPr>
-          <p:nvPr>
-            <p:ph type="ftr" sz="quarter" idx="11"/>
-          </p:nvPr>
-        </p:nvSpPr>
-        <p:spPr/>
-        <p:txBody>
-          <a:bodyPr/>
-          <a:lstStyle/>
-          <a:p>
-            <a:r>
-              <a:rPr lang="en-US" dirty="0"/>
-              <a:t>Copyright © 2020 SPIKE Prime Lessons (primelessons.org) CC-BY-NC-SA.  (Last edit: 1/9/2020)</a:t>
-            </a:r>
           </a:p>
         </p:txBody>
       </p:sp>
@@ -6124,6 +6306,39 @@
           </a:prstGeom>
         </p:spPr>
       </p:pic>
+      <p:sp>
+        <p:nvSpPr>
+          <p:cNvPr id="7" name="Footer Placeholder 3">
+            <a:extLst>
+              <a:ext uri="{FF2B5EF4-FFF2-40B4-BE49-F238E27FC236}">
+                <a16:creationId xmlns:a16="http://schemas.microsoft.com/office/drawing/2014/main" id="{C2DD6A28-BE4F-4ED9-91F4-EF845F4317B0}"/>
+              </a:ext>
+            </a:extLst>
+          </p:cNvPr>
+          <p:cNvSpPr>
+            <a:spLocks noGrp="1"/>
+          </p:cNvSpPr>
+          <p:nvPr>
+            <p:ph type="ftr" sz="quarter" idx="11"/>
+          </p:nvPr>
+        </p:nvSpPr>
+        <p:spPr>
+          <a:xfrm>
+            <a:off x="88409" y="6321349"/>
+            <a:ext cx="4870585" cy="365125"/>
+          </a:xfrm>
+        </p:spPr>
+        <p:txBody>
+          <a:bodyPr/>
+          <a:lstStyle/>
+          <a:p>
+            <a:r>
+              <a:rPr lang="en-US" dirty="0"/>
+              <a:t>Copyright © 2020 SPIKE Prime Lessons (primelessons.org) CC-BY-NC-SA.  (Last edit: 07/13/2020)</a:t>
+            </a:r>
+          </a:p>
+        </p:txBody>
+      </p:sp>
     </p:spTree>
     <p:extLst>
       <p:ext uri="{BB962C8B-B14F-4D97-AF65-F5344CB8AC3E}">
@@ -6254,34 +6469,6 @@
       </p:sp>
       <p:sp>
         <p:nvSpPr>
-          <p:cNvPr id="4" name="Footer Placeholder 3">
-            <a:extLst>
-              <a:ext uri="{FF2B5EF4-FFF2-40B4-BE49-F238E27FC236}">
-                <a16:creationId xmlns:a16="http://schemas.microsoft.com/office/drawing/2014/main" id="{7693F7AD-2CE3-4EFD-BC79-FE15A5A219E9}"/>
-              </a:ext>
-            </a:extLst>
-          </p:cNvPr>
-          <p:cNvSpPr>
-            <a:spLocks noGrp="1"/>
-          </p:cNvSpPr>
-          <p:nvPr>
-            <p:ph type="ftr" sz="quarter" idx="11"/>
-          </p:nvPr>
-        </p:nvSpPr>
-        <p:spPr/>
-        <p:txBody>
-          <a:bodyPr/>
-          <a:lstStyle/>
-          <a:p>
-            <a:r>
-              <a:rPr lang="en-US" dirty="0"/>
-              <a:t>Copyright © 2020 SPIKE Prime Lessons (primelessons.org) CC-BY-NC-SA.  (Last edit: 1/9/2020)</a:t>
-            </a:r>
-          </a:p>
-        </p:txBody>
-      </p:sp>
-      <p:sp>
-        <p:nvSpPr>
           <p:cNvPr id="5" name="Slide Number Placeholder 4">
             <a:extLst>
               <a:ext uri="{FF2B5EF4-FFF2-40B4-BE49-F238E27FC236}">
@@ -6789,6 +6976,39 @@
             <a:r>
               <a:rPr lang="en-US" sz="1600" dirty="0"/>
               <a:t>Repita o código para sempre</a:t>
+            </a:r>
+          </a:p>
+        </p:txBody>
+      </p:sp>
+      <p:sp>
+        <p:nvSpPr>
+          <p:cNvPr id="9" name="Footer Placeholder 3">
+            <a:extLst>
+              <a:ext uri="{FF2B5EF4-FFF2-40B4-BE49-F238E27FC236}">
+                <a16:creationId xmlns:a16="http://schemas.microsoft.com/office/drawing/2014/main" id="{A1DA7A42-9F70-4943-AF87-D8E330756506}"/>
+              </a:ext>
+            </a:extLst>
+          </p:cNvPr>
+          <p:cNvSpPr>
+            <a:spLocks noGrp="1"/>
+          </p:cNvSpPr>
+          <p:nvPr>
+            <p:ph type="ftr" sz="quarter" idx="11"/>
+          </p:nvPr>
+        </p:nvSpPr>
+        <p:spPr>
+          <a:xfrm>
+            <a:off x="88409" y="6321349"/>
+            <a:ext cx="4870585" cy="365125"/>
+          </a:xfrm>
+        </p:spPr>
+        <p:txBody>
+          <a:bodyPr/>
+          <a:lstStyle/>
+          <a:p>
+            <a:r>
+              <a:rPr lang="en-US" dirty="0"/>
+              <a:t>Copyright © 2020 SPIKE Prime Lessons (primelessons.org) CC-BY-NC-SA.  (Last edit: 07/13/2020)</a:t>
             </a:r>
           </a:p>
         </p:txBody>
@@ -6879,43 +7099,17 @@
           <a:bodyPr/>
           <a:lstStyle/>
           <a:p>
+            <a:pPr algn="just"/>
             <a:r>
               <a:rPr lang="pt-BR" dirty="0"/>
               <a:t>Blocos Se-Então são ferramentas poderosas conforme você cria programas mais complexos.</a:t>
             </a:r>
           </a:p>
           <a:p>
+            <a:pPr algn="just"/>
             <a:r>
               <a:rPr lang="pt-BR" dirty="0"/>
               <a:t>Pense sobre situações em que você pode precisar usar mais de um bloco destes dentro do outro.</a:t>
-            </a:r>
-          </a:p>
-        </p:txBody>
-      </p:sp>
-      <p:sp>
-        <p:nvSpPr>
-          <p:cNvPr id="4" name="Footer Placeholder 3">
-            <a:extLst>
-              <a:ext uri="{FF2B5EF4-FFF2-40B4-BE49-F238E27FC236}">
-                <a16:creationId xmlns:a16="http://schemas.microsoft.com/office/drawing/2014/main" id="{7E9D60D8-A30C-4912-8AB2-733B7B5864BF}"/>
-              </a:ext>
-            </a:extLst>
-          </p:cNvPr>
-          <p:cNvSpPr>
-            <a:spLocks noGrp="1"/>
-          </p:cNvSpPr>
-          <p:nvPr>
-            <p:ph type="ftr" sz="quarter" idx="11"/>
-          </p:nvPr>
-        </p:nvSpPr>
-        <p:spPr/>
-        <p:txBody>
-          <a:bodyPr/>
-          <a:lstStyle/>
-          <a:p>
-            <a:r>
-              <a:rPr lang="en-US" dirty="0"/>
-              <a:t>Copyright © 2020 SPIKE Prime Lessons (primelessons.org) CC-BY-NC-SA.  (Last edit: 1/9/2020)</a:t>
             </a:r>
           </a:p>
         </p:txBody>
@@ -6996,6 +7190,39 @@
           </a:extLst>
         </p:spPr>
       </p:pic>
+      <p:sp>
+        <p:nvSpPr>
+          <p:cNvPr id="7" name="Footer Placeholder 3">
+            <a:extLst>
+              <a:ext uri="{FF2B5EF4-FFF2-40B4-BE49-F238E27FC236}">
+                <a16:creationId xmlns:a16="http://schemas.microsoft.com/office/drawing/2014/main" id="{C3EFE834-F038-4B8E-A7B5-D0E860A29252}"/>
+              </a:ext>
+            </a:extLst>
+          </p:cNvPr>
+          <p:cNvSpPr>
+            <a:spLocks noGrp="1"/>
+          </p:cNvSpPr>
+          <p:nvPr>
+            <p:ph type="ftr" sz="quarter" idx="11"/>
+          </p:nvPr>
+        </p:nvSpPr>
+        <p:spPr>
+          <a:xfrm>
+            <a:off x="88409" y="6321349"/>
+            <a:ext cx="4870585" cy="365125"/>
+          </a:xfrm>
+        </p:spPr>
+        <p:txBody>
+          <a:bodyPr/>
+          <a:lstStyle/>
+          <a:p>
+            <a:r>
+              <a:rPr lang="en-US" dirty="0"/>
+              <a:t>Copyright © 2020 SPIKE Prime Lessons (primelessons.org) CC-BY-NC-SA.  (Last edit: 07/13/2020)</a:t>
+            </a:r>
+          </a:p>
+        </p:txBody>
+      </p:sp>
     </p:spTree>
     <p:extLst>
       <p:ext uri="{BB962C8B-B14F-4D97-AF65-F5344CB8AC3E}">
@@ -7120,7 +7347,15 @@
           <a:p>
             <a:r>
               <a:rPr lang="pt-BR" sz="1600" dirty="0"/>
-              <a:t>Traduzido para o português por Lucas Colonna</a:t>
+              <a:t>Traduzido para o português por Lucas </a:t>
+            </a:r>
+            <a:r>
+              <a:rPr lang="pt-BR" sz="1600" dirty="0" err="1"/>
+              <a:t>Colonna</a:t>
+            </a:r>
+            <a:r>
+              <a:rPr lang="pt-BR" sz="1600" dirty="0"/>
+              <a:t> e revisado por Anderson Harayashiki Moreira</a:t>
             </a:r>
           </a:p>
           <a:p>
@@ -7145,7 +7380,7 @@
           <a:p>
             <a:r>
               <a:rPr lang="en-US" dirty="0"/>
-              <a:t>Copyright © 2020 SPIKE Prime Lessons (primelessons.org) CC-BY-NC-SA.  (Last edit: 1/9/2020)</a:t>
+              <a:t>Copyright © 2020 SPIKE Prime Lessons (primelessons.org) CC-BY-NC-SA.  (Last edit: 07/13/2020)</a:t>
             </a:r>
           </a:p>
         </p:txBody>
@@ -7175,7 +7410,7 @@
           <a:effectLst/>
           <a:extLst>
             <a:ext uri="{91240B29-F687-4f45-9708-019B960494DF}">
-              <a14:hiddenLine xmlns:a14="http://schemas.microsoft.com/office/drawing/2010/main" xmlns="" w="9525">
+              <a14:hiddenLine xmlns="" xmlns:a14="http://schemas.microsoft.com/office/drawing/2010/main" w="9525">
                 <a:solidFill>
                   <a:schemeClr val="tx1"/>
                 </a:solidFill>
@@ -7185,7 +7420,7 @@
               </a14:hiddenLine>
             </a:ext>
             <a:ext uri="{AF507438-7753-43e0-B8FC-AC1667EBCBE1}">
-              <a14:hiddenEffects xmlns:a14="http://schemas.microsoft.com/office/drawing/2010/main" xmlns="">
+              <a14:hiddenEffects xmlns="" xmlns:a14="http://schemas.microsoft.com/office/drawing/2010/main">
                 <a:effectLst>
                   <a:outerShdw dist="35921" dir="2700000" algn="ctr" rotWithShape="0">
                     <a:schemeClr val="bg2"/>
@@ -7526,7 +7761,7 @@
           <a:noFill/>
           <a:extLst>
             <a:ext uri="{909E8E84-426E-40dd-AFC4-6F175D3DCCD1}">
-              <a14:hiddenFill xmlns:a14="http://schemas.microsoft.com/office/drawing/2010/main" xmlns="">
+              <a14:hiddenFill xmlns="" xmlns:a14="http://schemas.microsoft.com/office/drawing/2010/main">
                 <a:solidFill>
                   <a:srgbClr val="FFFFFF"/>
                 </a:solidFill>
